--- a/BlockchainHackathon_Template.pptx
+++ b/BlockchainHackathon_Template.pptx
@@ -1556,7 +1556,7 @@
   <p:cSld>
     <p:spTree>
       <p:nvGrpSpPr>
-        <p:cNvPr id="466" name="Shape 466"/>
+        <p:cNvPr id="467" name="Shape 467"/>
         <p:cNvGrpSpPr/>
         <p:nvPr/>
       </p:nvGrpSpPr>
@@ -1570,7 +1570,7 @@
       </p:grpSpPr>
       <p:sp>
         <p:nvSpPr>
-          <p:cNvPr id="467" name="Google Shape;467;p8:notes"/>
+          <p:cNvPr id="468" name="Google Shape;468;p8:notes"/>
           <p:cNvSpPr txBox="1"/>
           <p:nvPr>
             <p:ph idx="1" type="body"/>
@@ -1618,7 +1618,7 @@
       </p:sp>
       <p:sp>
         <p:nvSpPr>
-          <p:cNvPr id="468" name="Google Shape;468;p8:notes"/>
+          <p:cNvPr id="469" name="Google Shape;469;p8:notes"/>
           <p:cNvSpPr/>
           <p:nvPr>
             <p:ph idx="2" type="sldImg"/>
@@ -1960,7 +1960,7 @@
   <p:cSld>
     <p:spTree>
       <p:nvGrpSpPr>
-        <p:cNvPr id="378" name="Shape 378"/>
+        <p:cNvPr id="379" name="Shape 379"/>
         <p:cNvGrpSpPr/>
         <p:nvPr/>
       </p:nvGrpSpPr>
@@ -1974,7 +1974,7 @@
       </p:grpSpPr>
       <p:sp>
         <p:nvSpPr>
-          <p:cNvPr id="379" name="Google Shape;379;g46418662ea_4_158:notes"/>
+          <p:cNvPr id="380" name="Google Shape;380;g46418662ea_4_158:notes"/>
           <p:cNvSpPr/>
           <p:nvPr>
             <p:ph idx="2" type="sldImg"/>
@@ -2009,7 +2009,7 @@
       </p:sp>
       <p:sp>
         <p:nvSpPr>
-          <p:cNvPr id="380" name="Google Shape;380;g46418662ea_4_158:notes"/>
+          <p:cNvPr id="381" name="Google Shape;381;g46418662ea_4_158:notes"/>
           <p:cNvSpPr txBox="1"/>
           <p:nvPr>
             <p:ph idx="1" type="body"/>
@@ -2048,7 +2048,7 @@
       </p:sp>
       <p:sp>
         <p:nvSpPr>
-          <p:cNvPr id="381" name="Google Shape;381;g46418662ea_4_158:notes"/>
+          <p:cNvPr id="382" name="Google Shape;382;g46418662ea_4_158:notes"/>
           <p:cNvSpPr txBox="1"/>
           <p:nvPr>
             <p:ph idx="12" type="sldNum"/>
@@ -2103,7 +2103,7 @@
   <p:cSld>
     <p:spTree>
       <p:nvGrpSpPr>
-        <p:cNvPr id="386" name="Shape 386"/>
+        <p:cNvPr id="387" name="Shape 387"/>
         <p:cNvGrpSpPr/>
         <p:nvPr/>
       </p:nvGrpSpPr>
@@ -2117,7 +2117,150 @@
       </p:grpSpPr>
       <p:sp>
         <p:nvSpPr>
-          <p:cNvPr id="387" name="Google Shape;387;p2:notes"/>
+          <p:cNvPr id="388" name="Google Shape;388;g46418662ea_4_198:notes"/>
+          <p:cNvSpPr/>
+          <p:nvPr>
+            <p:ph idx="2" type="sldImg"/>
+          </p:nvPr>
+        </p:nvSpPr>
+        <p:spPr>
+          <a:xfrm>
+            <a:off x="90488" y="744538"/>
+            <a:ext cx="6616800" cy="3722700"/>
+          </a:xfrm>
+          <a:custGeom>
+            <a:rect b="b" l="l" r="r" t="t"/>
+            <a:pathLst>
+              <a:path extrusionOk="0" h="120000" w="120000">
+                <a:moveTo>
+                  <a:pt x="0" y="0"/>
+                </a:moveTo>
+                <a:lnTo>
+                  <a:pt x="120000" y="0"/>
+                </a:lnTo>
+                <a:lnTo>
+                  <a:pt x="120000" y="120000"/>
+                </a:lnTo>
+                <a:lnTo>
+                  <a:pt x="0" y="120000"/>
+                </a:lnTo>
+                <a:close/>
+              </a:path>
+            </a:pathLst>
+          </a:custGeom>
+        </p:spPr>
+      </p:sp>
+      <p:sp>
+        <p:nvSpPr>
+          <p:cNvPr id="389" name="Google Shape;389;g46418662ea_4_198:notes"/>
+          <p:cNvSpPr txBox="1"/>
+          <p:nvPr>
+            <p:ph idx="1" type="body"/>
+          </p:nvPr>
+        </p:nvSpPr>
+        <p:spPr>
+          <a:xfrm>
+            <a:off x="679768" y="4715907"/>
+            <a:ext cx="5438100" cy="4467600"/>
+          </a:xfrm>
+          <a:prstGeom prst="rect">
+            <a:avLst/>
+          </a:prstGeom>
+        </p:spPr>
+        <p:txBody>
+          <a:bodyPr anchorCtr="0" anchor="t" bIns="45700" lIns="91425" spcFirstLastPara="1" rIns="91425" wrap="square" tIns="45700">
+            <a:noAutofit/>
+          </a:bodyPr>
+          <a:lstStyle/>
+          <a:p>
+            <a:pPr indent="0" lvl="0" marL="0" rtl="0" algn="l">
+              <a:spcBef>
+                <a:spcPts val="0"/>
+              </a:spcBef>
+              <a:spcAft>
+                <a:spcPts val="0"/>
+              </a:spcAft>
+              <a:buNone/>
+            </a:pPr>
+            <a:r>
+              <a:t/>
+            </a:r>
+            <a:endParaRPr/>
+          </a:p>
+        </p:txBody>
+      </p:sp>
+      <p:sp>
+        <p:nvSpPr>
+          <p:cNvPr id="390" name="Google Shape;390;g46418662ea_4_198:notes"/>
+          <p:cNvSpPr txBox="1"/>
+          <p:nvPr>
+            <p:ph idx="12" type="sldNum"/>
+          </p:nvPr>
+        </p:nvSpPr>
+        <p:spPr>
+          <a:xfrm>
+            <a:off x="3850443" y="9430091"/>
+            <a:ext cx="2945700" cy="496500"/>
+          </a:xfrm>
+          <a:prstGeom prst="rect">
+            <a:avLst/>
+          </a:prstGeom>
+        </p:spPr>
+        <p:txBody>
+          <a:bodyPr anchorCtr="0" anchor="b" bIns="45700" lIns="91425" spcFirstLastPara="1" rIns="91425" wrap="square" tIns="45700">
+            <a:noAutofit/>
+          </a:bodyPr>
+          <a:lstStyle/>
+          <a:p>
+            <a:pPr indent="0" lvl="0" marL="0" rtl="0" algn="r">
+              <a:spcBef>
+                <a:spcPts val="0"/>
+              </a:spcBef>
+              <a:spcAft>
+                <a:spcPts val="0"/>
+              </a:spcAft>
+              <a:buClr>
+                <a:srgbClr val="000000"/>
+              </a:buClr>
+              <a:buFont typeface="Arial"/>
+              <a:buNone/>
+            </a:pPr>
+            <a:fld id="{00000000-1234-1234-1234-123412341234}" type="slidenum">
+              <a:rPr lang="en-US"/>
+              <a:t>‹#›</a:t>
+            </a:fld>
+            <a:endParaRPr/>
+          </a:p>
+        </p:txBody>
+      </p:sp>
+    </p:spTree>
+  </p:cSld>
+  <p:clrMapOvr>
+    <a:masterClrMapping/>
+  </p:clrMapOvr>
+</p:notes>
+</file>
+
+<file path=ppt/notesSlides/notesSlide6.xml><?xml version="1.0" encoding="utf-8"?>
+<p:notes xmlns:a="http://schemas.openxmlformats.org/drawingml/2006/main" xmlns:r="http://schemas.openxmlformats.org/officeDocument/2006/relationships" xmlns:mc="http://schemas.openxmlformats.org/markup-compatibility/2006" xmlns:mv="urn:schemas-microsoft-com:mac:vml" xmlns:p="http://schemas.openxmlformats.org/presentationml/2006/main" xmlns:c="http://schemas.openxmlformats.org/drawingml/2006/chart" xmlns:dgm="http://schemas.openxmlformats.org/drawingml/2006/diagram" xmlns:o="urn:schemas-microsoft-com:office:office" xmlns:v="urn:schemas-microsoft-com:vml" xmlns:pvml="urn:schemas-microsoft-com:office:powerpoint" xmlns:com="http://schemas.openxmlformats.org/drawingml/2006/compatibility" xmlns:p14="http://schemas.microsoft.com/office/powerpoint/2010/main" xmlns:p15="http://schemas.microsoft.com/office/powerpoint/2012/main" showMasterPhAnim="0" showMasterSp="0">
+  <p:cSld>
+    <p:spTree>
+      <p:nvGrpSpPr>
+        <p:cNvPr id="437" name="Shape 437"/>
+        <p:cNvGrpSpPr/>
+        <p:nvPr/>
+      </p:nvGrpSpPr>
+      <p:grpSpPr>
+        <a:xfrm>
+          <a:off x="0" y="0"/>
+          <a:ext cx="0" cy="0"/>
+          <a:chOff x="0" y="0"/>
+          <a:chExt cx="0" cy="0"/>
+        </a:xfrm>
+      </p:grpSpPr>
+      <p:sp>
+        <p:nvSpPr>
+          <p:cNvPr id="438" name="Google Shape;438;p2:notes"/>
           <p:cNvSpPr/>
           <p:nvPr>
             <p:ph idx="2" type="sldImg"/>
@@ -2162,7 +2305,7 @@
       </p:sp>
       <p:sp>
         <p:nvSpPr>
-          <p:cNvPr id="388" name="Google Shape;388;p2:notes"/>
+          <p:cNvPr id="439" name="Google Shape;439;p2:notes"/>
           <p:cNvSpPr txBox="1"/>
           <p:nvPr>
             <p:ph idx="1" type="body"/>
@@ -2205,7 +2348,7 @@
       </p:sp>
       <p:sp>
         <p:nvSpPr>
-          <p:cNvPr id="389" name="Google Shape;389;p2:notes"/>
+          <p:cNvPr id="440" name="Google Shape;440;p2:notes"/>
           <p:cNvSpPr txBox="1"/>
           <p:nvPr>
             <p:ph idx="12" type="sldNum"/>
@@ -2255,12 +2398,12 @@
 </p:notes>
 </file>
 
-<file path=ppt/notesSlides/notesSlide6.xml><?xml version="1.0" encoding="utf-8"?>
+<file path=ppt/notesSlides/notesSlide7.xml><?xml version="1.0" encoding="utf-8"?>
 <p:notes xmlns:a="http://schemas.openxmlformats.org/drawingml/2006/main" xmlns:r="http://schemas.openxmlformats.org/officeDocument/2006/relationships" xmlns:mc="http://schemas.openxmlformats.org/markup-compatibility/2006" xmlns:mv="urn:schemas-microsoft-com:mac:vml" xmlns:p="http://schemas.openxmlformats.org/presentationml/2006/main" xmlns:c="http://schemas.openxmlformats.org/drawingml/2006/chart" xmlns:dgm="http://schemas.openxmlformats.org/drawingml/2006/diagram" xmlns:o="urn:schemas-microsoft-com:office:office" xmlns:v="urn:schemas-microsoft-com:vml" xmlns:pvml="urn:schemas-microsoft-com:office:powerpoint" xmlns:com="http://schemas.openxmlformats.org/drawingml/2006/compatibility" xmlns:p14="http://schemas.microsoft.com/office/powerpoint/2010/main" xmlns:p15="http://schemas.microsoft.com/office/powerpoint/2012/main" showMasterPhAnim="0" showMasterSp="0">
   <p:cSld>
     <p:spTree>
       <p:nvGrpSpPr>
-        <p:cNvPr id="393" name="Shape 393"/>
+        <p:cNvPr id="444" name="Shape 444"/>
         <p:cNvGrpSpPr/>
         <p:nvPr/>
       </p:nvGrpSpPr>
@@ -2274,150 +2417,7 @@
       </p:grpSpPr>
       <p:sp>
         <p:nvSpPr>
-          <p:cNvPr id="394" name="Google Shape;394;g46418662ea_4_3:notes"/>
-          <p:cNvSpPr/>
-          <p:nvPr>
-            <p:ph idx="2" type="sldImg"/>
-          </p:nvPr>
-        </p:nvSpPr>
-        <p:spPr>
-          <a:xfrm>
-            <a:off x="90488" y="744538"/>
-            <a:ext cx="6616800" cy="3722700"/>
-          </a:xfrm>
-          <a:custGeom>
-            <a:rect b="b" l="l" r="r" t="t"/>
-            <a:pathLst>
-              <a:path extrusionOk="0" h="120000" w="120000">
-                <a:moveTo>
-                  <a:pt x="0" y="0"/>
-                </a:moveTo>
-                <a:lnTo>
-                  <a:pt x="120000" y="0"/>
-                </a:lnTo>
-                <a:lnTo>
-                  <a:pt x="120000" y="120000"/>
-                </a:lnTo>
-                <a:lnTo>
-                  <a:pt x="0" y="120000"/>
-                </a:lnTo>
-                <a:close/>
-              </a:path>
-            </a:pathLst>
-          </a:custGeom>
-        </p:spPr>
-      </p:sp>
-      <p:sp>
-        <p:nvSpPr>
-          <p:cNvPr id="395" name="Google Shape;395;g46418662ea_4_3:notes"/>
-          <p:cNvSpPr txBox="1"/>
-          <p:nvPr>
-            <p:ph idx="1" type="body"/>
-          </p:nvPr>
-        </p:nvSpPr>
-        <p:spPr>
-          <a:xfrm>
-            <a:off x="679768" y="4715907"/>
-            <a:ext cx="5438100" cy="4467600"/>
-          </a:xfrm>
-          <a:prstGeom prst="rect">
-            <a:avLst/>
-          </a:prstGeom>
-        </p:spPr>
-        <p:txBody>
-          <a:bodyPr anchorCtr="0" anchor="t" bIns="45700" lIns="91425" spcFirstLastPara="1" rIns="91425" wrap="square" tIns="45700">
-            <a:noAutofit/>
-          </a:bodyPr>
-          <a:lstStyle/>
-          <a:p>
-            <a:pPr indent="0" lvl="0" marL="0" rtl="0" algn="l">
-              <a:spcBef>
-                <a:spcPts val="0"/>
-              </a:spcBef>
-              <a:spcAft>
-                <a:spcPts val="0"/>
-              </a:spcAft>
-              <a:buNone/>
-            </a:pPr>
-            <a:r>
-              <a:t/>
-            </a:r>
-            <a:endParaRPr/>
-          </a:p>
-        </p:txBody>
-      </p:sp>
-      <p:sp>
-        <p:nvSpPr>
-          <p:cNvPr id="396" name="Google Shape;396;g46418662ea_4_3:notes"/>
-          <p:cNvSpPr txBox="1"/>
-          <p:nvPr>
-            <p:ph idx="12" type="sldNum"/>
-          </p:nvPr>
-        </p:nvSpPr>
-        <p:spPr>
-          <a:xfrm>
-            <a:off x="3850443" y="9430091"/>
-            <a:ext cx="2945700" cy="496500"/>
-          </a:xfrm>
-          <a:prstGeom prst="rect">
-            <a:avLst/>
-          </a:prstGeom>
-        </p:spPr>
-        <p:txBody>
-          <a:bodyPr anchorCtr="0" anchor="b" bIns="45700" lIns="91425" spcFirstLastPara="1" rIns="91425" wrap="square" tIns="45700">
-            <a:noAutofit/>
-          </a:bodyPr>
-          <a:lstStyle/>
-          <a:p>
-            <a:pPr indent="0" lvl="0" marL="0" rtl="0" algn="r">
-              <a:spcBef>
-                <a:spcPts val="0"/>
-              </a:spcBef>
-              <a:spcAft>
-                <a:spcPts val="0"/>
-              </a:spcAft>
-              <a:buClr>
-                <a:srgbClr val="000000"/>
-              </a:buClr>
-              <a:buFont typeface="Arial"/>
-              <a:buNone/>
-            </a:pPr>
-            <a:fld id="{00000000-1234-1234-1234-123412341234}" type="slidenum">
-              <a:rPr lang="en-US"/>
-              <a:t>‹#›</a:t>
-            </a:fld>
-            <a:endParaRPr/>
-          </a:p>
-        </p:txBody>
-      </p:sp>
-    </p:spTree>
-  </p:cSld>
-  <p:clrMapOvr>
-    <a:masterClrMapping/>
-  </p:clrMapOvr>
-</p:notes>
-</file>
-
-<file path=ppt/notesSlides/notesSlide7.xml><?xml version="1.0" encoding="utf-8"?>
-<p:notes xmlns:a="http://schemas.openxmlformats.org/drawingml/2006/main" xmlns:r="http://schemas.openxmlformats.org/officeDocument/2006/relationships" xmlns:mc="http://schemas.openxmlformats.org/markup-compatibility/2006" xmlns:mv="urn:schemas-microsoft-com:mac:vml" xmlns:p="http://schemas.openxmlformats.org/presentationml/2006/main" xmlns:c="http://schemas.openxmlformats.org/drawingml/2006/chart" xmlns:dgm="http://schemas.openxmlformats.org/drawingml/2006/diagram" xmlns:o="urn:schemas-microsoft-com:office:office" xmlns:v="urn:schemas-microsoft-com:vml" xmlns:pvml="urn:schemas-microsoft-com:office:powerpoint" xmlns:com="http://schemas.openxmlformats.org/drawingml/2006/compatibility" xmlns:p14="http://schemas.microsoft.com/office/powerpoint/2010/main" xmlns:p15="http://schemas.microsoft.com/office/powerpoint/2012/main" showMasterPhAnim="0" showMasterSp="0">
-  <p:cSld>
-    <p:spTree>
-      <p:nvGrpSpPr>
-        <p:cNvPr id="443" name="Shape 443"/>
-        <p:cNvGrpSpPr/>
-        <p:nvPr/>
-      </p:nvGrpSpPr>
-      <p:grpSpPr>
-        <a:xfrm>
-          <a:off x="0" y="0"/>
-          <a:ext cx="0" cy="0"/>
-          <a:chOff x="0" y="0"/>
-          <a:chExt cx="0" cy="0"/>
-        </a:xfrm>
-      </p:grpSpPr>
-      <p:sp>
-        <p:nvSpPr>
-          <p:cNvPr id="444" name="Google Shape;444;p4:notes"/>
+          <p:cNvPr id="445" name="Google Shape;445;p4:notes"/>
           <p:cNvSpPr/>
           <p:nvPr>
             <p:ph idx="2" type="sldImg"/>
@@ -2462,7 +2462,7 @@
       </p:sp>
       <p:sp>
         <p:nvSpPr>
-          <p:cNvPr id="445" name="Google Shape;445;p4:notes"/>
+          <p:cNvPr id="446" name="Google Shape;446;p4:notes"/>
           <p:cNvSpPr txBox="1"/>
           <p:nvPr>
             <p:ph idx="1" type="body"/>
@@ -2505,7 +2505,7 @@
       </p:sp>
       <p:sp>
         <p:nvSpPr>
-          <p:cNvPr id="446" name="Google Shape;446;p4:notes"/>
+          <p:cNvPr id="447" name="Google Shape;447;p4:notes"/>
           <p:cNvSpPr txBox="1"/>
           <p:nvPr>
             <p:ph idx="12" type="sldNum"/>
@@ -2560,7 +2560,7 @@
   <p:cSld>
     <p:spTree>
       <p:nvGrpSpPr>
-        <p:cNvPr id="450" name="Shape 450"/>
+        <p:cNvPr id="451" name="Shape 451"/>
         <p:cNvGrpSpPr/>
         <p:nvPr/>
       </p:nvGrpSpPr>
@@ -2574,7 +2574,7 @@
       </p:grpSpPr>
       <p:sp>
         <p:nvSpPr>
-          <p:cNvPr id="451" name="Google Shape;451;p5:notes"/>
+          <p:cNvPr id="452" name="Google Shape;452;p5:notes"/>
           <p:cNvSpPr/>
           <p:nvPr>
             <p:ph idx="2" type="sldImg"/>
@@ -2619,7 +2619,7 @@
       </p:sp>
       <p:sp>
         <p:nvSpPr>
-          <p:cNvPr id="452" name="Google Shape;452;p5:notes"/>
+          <p:cNvPr id="453" name="Google Shape;453;p5:notes"/>
           <p:cNvSpPr txBox="1"/>
           <p:nvPr>
             <p:ph idx="1" type="body"/>
@@ -2662,7 +2662,7 @@
       </p:sp>
       <p:sp>
         <p:nvSpPr>
-          <p:cNvPr id="453" name="Google Shape;453;p5:notes"/>
+          <p:cNvPr id="454" name="Google Shape;454;p5:notes"/>
           <p:cNvSpPr txBox="1"/>
           <p:nvPr>
             <p:ph idx="12" type="sldNum"/>
@@ -2717,7 +2717,7 @@
   <p:cSld>
     <p:spTree>
       <p:nvGrpSpPr>
-        <p:cNvPr id="458" name="Shape 458"/>
+        <p:cNvPr id="459" name="Shape 459"/>
         <p:cNvGrpSpPr/>
         <p:nvPr/>
       </p:nvGrpSpPr>
@@ -2731,7 +2731,7 @@
       </p:grpSpPr>
       <p:sp>
         <p:nvSpPr>
-          <p:cNvPr id="459" name="Google Shape;459;p6:notes"/>
+          <p:cNvPr id="460" name="Google Shape;460;p6:notes"/>
           <p:cNvSpPr/>
           <p:nvPr>
             <p:ph idx="2" type="sldImg"/>
@@ -2776,7 +2776,7 @@
       </p:sp>
       <p:sp>
         <p:nvSpPr>
-          <p:cNvPr id="460" name="Google Shape;460;p6:notes"/>
+          <p:cNvPr id="461" name="Google Shape;461;p6:notes"/>
           <p:cNvSpPr txBox="1"/>
           <p:nvPr>
             <p:ph idx="1" type="body"/>
@@ -2819,7 +2819,7 @@
       </p:sp>
       <p:sp>
         <p:nvSpPr>
-          <p:cNvPr id="461" name="Google Shape;461;p6:notes"/>
+          <p:cNvPr id="462" name="Google Shape;462;p6:notes"/>
           <p:cNvSpPr txBox="1"/>
           <p:nvPr>
             <p:ph idx="12" type="sldNum"/>
@@ -45840,7 +45840,7 @@
   <p:cSld>
     <p:spTree>
       <p:nvGrpSpPr>
-        <p:cNvPr id="469" name="Shape 469"/>
+        <p:cNvPr id="470" name="Shape 470"/>
         <p:cNvGrpSpPr/>
         <p:nvPr/>
       </p:nvGrpSpPr>
@@ -45854,7 +45854,7 @@
       </p:grpSpPr>
       <p:sp>
         <p:nvSpPr>
-          <p:cNvPr id="470" name="Google Shape;470;p34"/>
+          <p:cNvPr id="471" name="Google Shape;471;p34"/>
           <p:cNvSpPr txBox="1"/>
           <p:nvPr>
             <p:ph type="title"/>
@@ -45897,41 +45897,13 @@
               <a:buNone/>
             </a:pPr>
             <a:r>
-              <a:rPr lang="en-US" sz="1800" u="sng">
-                <a:solidFill>
-                  <a:schemeClr val="accent2"/>
-                </a:solidFill>
+              <a:rPr lang="en-US" sz="1800">
                 <a:latin typeface="Open Sans"/>
                 <a:ea typeface="Open Sans"/>
                 <a:cs typeface="Open Sans"/>
                 <a:sym typeface="Open Sans"/>
-                <a:hlinkClick r:id="rId3"/>
               </a:rPr>
-              <a:t>https://habr.com/company/audiomania/blog/421105/</a:t>
-            </a:r>
-            <a:endParaRPr/>
-          </a:p>
-          <a:p>
-            <a:pPr indent="0" lvl="0" marL="0" rtl="0" algn="l">
-              <a:lnSpc>
-                <a:spcPct val="150000"/>
-              </a:lnSpc>
-              <a:spcBef>
-                <a:spcPts val="0"/>
-              </a:spcBef>
-              <a:spcAft>
-                <a:spcPts val="0"/>
-              </a:spcAft>
-              <a:buClr>
-                <a:schemeClr val="dk1"/>
-              </a:buClr>
-              <a:buSzPts val="1100"/>
-              <a:buFont typeface="Arial"/>
-              <a:buNone/>
-            </a:pPr>
-            <a:r>
-              <a:rPr lang="en-US"/>
-              <a:t>https://www.ifpi.org/downloads/GMR2018.pdf</a:t>
+              <a:t>Thank you</a:t>
             </a:r>
             <a:endParaRPr/>
           </a:p>
@@ -46019,7 +45991,7 @@
         <p:spPr>
           <a:xfrm>
             <a:off x="822150" y="198525"/>
-            <a:ext cx="7650300" cy="673800"/>
+            <a:ext cx="7650300" cy="862200"/>
           </a:xfrm>
           <a:prstGeom prst="rect">
             <a:avLst/>
@@ -46102,41 +46074,6 @@
             </a:pPr>
             <a:r>
               <a:t/>
-            </a:r>
-            <a:endParaRPr sz="1800">
-              <a:solidFill>
-                <a:srgbClr val="002060"/>
-              </a:solidFill>
-              <a:latin typeface="Open Sans"/>
-              <a:ea typeface="Open Sans"/>
-              <a:cs typeface="Open Sans"/>
-              <a:sym typeface="Open Sans"/>
-            </a:endParaRPr>
-          </a:p>
-          <a:p>
-            <a:pPr indent="0" lvl="0" marL="457200" rtl="0" algn="l">
-              <a:lnSpc>
-                <a:spcPct val="150000"/>
-              </a:lnSpc>
-              <a:spcBef>
-                <a:spcPts val="0"/>
-              </a:spcBef>
-              <a:spcAft>
-                <a:spcPts val="0"/>
-              </a:spcAft>
-              <a:buNone/>
-            </a:pPr>
-            <a:r>
-              <a:rPr lang="en-US" sz="1800">
-                <a:solidFill>
-                  <a:srgbClr val="002060"/>
-                </a:solidFill>
-                <a:latin typeface="Open Sans"/>
-                <a:ea typeface="Open Sans"/>
-                <a:cs typeface="Open Sans"/>
-                <a:sym typeface="Open Sans"/>
-              </a:rPr>
-              <a:t>B2B решение для музыкальных стриминговых компаний</a:t>
             </a:r>
             <a:endParaRPr/>
           </a:p>
@@ -46275,8 +46212,8 @@
         </p:blipFill>
         <p:spPr>
           <a:xfrm>
-            <a:off x="381000" y="276450"/>
-            <a:ext cx="3769901" cy="4185149"/>
+            <a:off x="711875" y="643775"/>
+            <a:ext cx="3439024" cy="3817824"/>
           </a:xfrm>
           <a:prstGeom prst="rect">
             <a:avLst/>
@@ -46315,6 +46252,48 @@
           </a:ln>
         </p:spPr>
       </p:pic>
+      <p:sp>
+        <p:nvSpPr>
+          <p:cNvPr id="378" name="Google Shape;378;p27"/>
+          <p:cNvSpPr txBox="1"/>
+          <p:nvPr/>
+        </p:nvSpPr>
+        <p:spPr>
+          <a:xfrm>
+            <a:off x="2065425" y="238625"/>
+            <a:ext cx="5775300" cy="673800"/>
+          </a:xfrm>
+          <a:prstGeom prst="rect">
+            <a:avLst/>
+          </a:prstGeom>
+          <a:noFill/>
+          <a:ln>
+            <a:noFill/>
+          </a:ln>
+        </p:spPr>
+        <p:txBody>
+          <a:bodyPr anchorCtr="0" anchor="t" bIns="91425" lIns="91425" spcFirstLastPara="1" rIns="91425" wrap="square" tIns="91425">
+            <a:noAutofit/>
+          </a:bodyPr>
+          <a:lstStyle/>
+          <a:p>
+            <a:pPr indent="0" lvl="0" marL="0" rtl="0" algn="l">
+              <a:spcBef>
+                <a:spcPts val="0"/>
+              </a:spcBef>
+              <a:spcAft>
+                <a:spcPts val="0"/>
+              </a:spcAft>
+              <a:buNone/>
+            </a:pPr>
+            <a:r>
+              <a:rPr lang="en-US"/>
+              <a:t>Размер рынка</a:t>
+            </a:r>
+            <a:endParaRPr/>
+          </a:p>
+        </p:txBody>
+      </p:sp>
     </p:spTree>
   </p:cSld>
   <p:clrMapOvr>
@@ -46328,7 +46307,7 @@
   <p:cSld>
     <p:spTree>
       <p:nvGrpSpPr>
-        <p:cNvPr id="382" name="Shape 382"/>
+        <p:cNvPr id="383" name="Shape 383"/>
         <p:cNvGrpSpPr/>
         <p:nvPr/>
       </p:nvGrpSpPr>
@@ -46342,7 +46321,7 @@
       </p:grpSpPr>
       <p:sp>
         <p:nvSpPr>
-          <p:cNvPr id="383" name="Google Shape;383;p28"/>
+          <p:cNvPr id="384" name="Google Shape;384;p28"/>
           <p:cNvSpPr txBox="1"/>
           <p:nvPr>
             <p:ph type="title"/>
@@ -46390,7 +46369,7 @@
       </p:sp>
       <p:pic>
         <p:nvPicPr>
-          <p:cNvPr id="384" name="Google Shape;384;p28"/>
+          <p:cNvPr id="385" name="Google Shape;385;p28"/>
           <p:cNvPicPr preferRelativeResize="0"/>
           <p:nvPr/>
         </p:nvPicPr>
@@ -46418,7 +46397,7 @@
       </p:pic>
       <p:pic>
         <p:nvPicPr>
-          <p:cNvPr id="385" name="Google Shape;385;p28"/>
+          <p:cNvPr id="386" name="Google Shape;386;p28"/>
           <p:cNvPicPr preferRelativeResize="0"/>
           <p:nvPr/>
         </p:nvPicPr>
@@ -46457,7 +46436,7 @@
   <p:cSld>
     <p:spTree>
       <p:nvGrpSpPr>
-        <p:cNvPr id="390" name="Shape 390"/>
+        <p:cNvPr id="391" name="Shape 391"/>
         <p:cNvGrpSpPr/>
         <p:nvPr/>
       </p:nvGrpSpPr>
@@ -46471,241 +46450,7 @@
       </p:grpSpPr>
       <p:sp>
         <p:nvSpPr>
-          <p:cNvPr id="391" name="Google Shape;391;p29"/>
-          <p:cNvSpPr/>
-          <p:nvPr/>
-        </p:nvSpPr>
-        <p:spPr>
-          <a:xfrm>
-            <a:off x="286925" y="699822"/>
-            <a:ext cx="7935600" cy="416100"/>
-          </a:xfrm>
-          <a:prstGeom prst="rect">
-            <a:avLst/>
-          </a:prstGeom>
-          <a:noFill/>
-          <a:ln>
-            <a:noFill/>
-          </a:ln>
-        </p:spPr>
-        <p:txBody>
-          <a:bodyPr anchorCtr="0" anchor="t" bIns="45700" lIns="91425" spcFirstLastPara="1" rIns="91425" wrap="square" tIns="45700">
-            <a:noAutofit/>
-          </a:bodyPr>
-          <a:lstStyle/>
-          <a:p>
-            <a:pPr indent="0" lvl="0" marL="0" marR="0" rtl="0" algn="l">
-              <a:lnSpc>
-                <a:spcPct val="150000"/>
-              </a:lnSpc>
-              <a:spcBef>
-                <a:spcPts val="0"/>
-              </a:spcBef>
-              <a:spcAft>
-                <a:spcPts val="0"/>
-              </a:spcAft>
-              <a:buNone/>
-            </a:pPr>
-            <a:r>
-              <a:rPr lang="en-US" sz="1800">
-                <a:solidFill>
-                  <a:srgbClr val="002060"/>
-                </a:solidFill>
-                <a:latin typeface="Open Sans"/>
-                <a:ea typeface="Open Sans"/>
-                <a:cs typeface="Open Sans"/>
-                <a:sym typeface="Open Sans"/>
-              </a:rPr>
-              <a:t>Why is it valuable?</a:t>
-            </a:r>
-            <a:endParaRPr sz="1800">
-              <a:solidFill>
-                <a:srgbClr val="002060"/>
-              </a:solidFill>
-              <a:latin typeface="Open Sans"/>
-              <a:ea typeface="Open Sans"/>
-              <a:cs typeface="Open Sans"/>
-              <a:sym typeface="Open Sans"/>
-            </a:endParaRPr>
-          </a:p>
-          <a:p>
-            <a:pPr indent="0" lvl="0" marL="0" marR="0" rtl="0" algn="l">
-              <a:lnSpc>
-                <a:spcPct val="150000"/>
-              </a:lnSpc>
-              <a:spcBef>
-                <a:spcPts val="0"/>
-              </a:spcBef>
-              <a:spcAft>
-                <a:spcPts val="0"/>
-              </a:spcAft>
-              <a:buNone/>
-            </a:pPr>
-            <a:r>
-              <a:rPr lang="en-US" sz="1800">
-                <a:solidFill>
-                  <a:srgbClr val="002060"/>
-                </a:solidFill>
-                <a:latin typeface="Open Sans"/>
-                <a:ea typeface="Open Sans"/>
-                <a:cs typeface="Open Sans"/>
-                <a:sym typeface="Open Sans"/>
-              </a:rPr>
-              <a:t>Отвязываем артиста от лейбла и даем ему большую свободу для продвижения своих треков на других площадках. У него остается больше прав собственности.</a:t>
-            </a:r>
-            <a:endParaRPr sz="1800">
-              <a:solidFill>
-                <a:srgbClr val="002060"/>
-              </a:solidFill>
-              <a:latin typeface="Open Sans"/>
-              <a:ea typeface="Open Sans"/>
-              <a:cs typeface="Open Sans"/>
-              <a:sym typeface="Open Sans"/>
-            </a:endParaRPr>
-          </a:p>
-          <a:p>
-            <a:pPr indent="0" lvl="0" marL="0" marR="0" rtl="0" algn="l">
-              <a:lnSpc>
-                <a:spcPct val="150000"/>
-              </a:lnSpc>
-              <a:spcBef>
-                <a:spcPts val="0"/>
-              </a:spcBef>
-              <a:spcAft>
-                <a:spcPts val="0"/>
-              </a:spcAft>
-              <a:buNone/>
-            </a:pPr>
-            <a:r>
-              <a:rPr lang="en-US" sz="1800">
-                <a:solidFill>
-                  <a:srgbClr val="002060"/>
-                </a:solidFill>
-                <a:latin typeface="Open Sans"/>
-                <a:ea typeface="Open Sans"/>
-                <a:cs typeface="Open Sans"/>
-                <a:sym typeface="Open Sans"/>
-              </a:rPr>
-              <a:t>Для стриминговых сервисов - мы уменьшаем издержки на транзакциях (комиссии, банковские переводы), создаем екосистему между другими стриминговыми платформами (NODES) и даем возможность напрямую взаимодействовать и продвигать исполенителей.</a:t>
-            </a:r>
-            <a:endParaRPr sz="1800">
-              <a:solidFill>
-                <a:srgbClr val="002060"/>
-              </a:solidFill>
-              <a:latin typeface="Open Sans"/>
-              <a:ea typeface="Open Sans"/>
-              <a:cs typeface="Open Sans"/>
-              <a:sym typeface="Open Sans"/>
-            </a:endParaRPr>
-          </a:p>
-          <a:p>
-            <a:pPr indent="0" lvl="0" marL="0" marR="0" rtl="0" algn="l">
-              <a:lnSpc>
-                <a:spcPct val="150000"/>
-              </a:lnSpc>
-              <a:spcBef>
-                <a:spcPts val="0"/>
-              </a:spcBef>
-              <a:spcAft>
-                <a:spcPts val="0"/>
-              </a:spcAft>
-              <a:buNone/>
-            </a:pPr>
-            <a:r>
-              <a:t/>
-            </a:r>
-            <a:endParaRPr sz="1800">
-              <a:solidFill>
-                <a:srgbClr val="002060"/>
-              </a:solidFill>
-              <a:latin typeface="Open Sans"/>
-              <a:ea typeface="Open Sans"/>
-              <a:cs typeface="Open Sans"/>
-              <a:sym typeface="Open Sans"/>
-            </a:endParaRPr>
-          </a:p>
-        </p:txBody>
-      </p:sp>
-      <p:sp>
-        <p:nvSpPr>
           <p:cNvPr id="392" name="Google Shape;392;p29"/>
-          <p:cNvSpPr txBox="1"/>
-          <p:nvPr>
-            <p:ph type="title"/>
-          </p:nvPr>
-        </p:nvSpPr>
-        <p:spPr>
-          <a:xfrm>
-            <a:off x="286925" y="98245"/>
-            <a:ext cx="8593500" cy="552600"/>
-          </a:xfrm>
-          <a:prstGeom prst="rect">
-            <a:avLst/>
-          </a:prstGeom>
-          <a:noFill/>
-          <a:ln>
-            <a:noFill/>
-          </a:ln>
-        </p:spPr>
-        <p:txBody>
-          <a:bodyPr anchorCtr="0" anchor="ctr" bIns="34275" lIns="68575" spcFirstLastPara="1" rIns="68575" wrap="square" tIns="34275">
-            <a:noAutofit/>
-          </a:bodyPr>
-          <a:lstStyle/>
-          <a:p>
-            <a:pPr indent="0" lvl="0" marL="0" rtl="0" algn="l">
-              <a:lnSpc>
-                <a:spcPct val="100000"/>
-              </a:lnSpc>
-              <a:spcBef>
-                <a:spcPts val="0"/>
-              </a:spcBef>
-              <a:spcAft>
-                <a:spcPts val="0"/>
-              </a:spcAft>
-              <a:buClr>
-                <a:srgbClr val="EB571C"/>
-              </a:buClr>
-              <a:buSzPts val="2300"/>
-              <a:buFont typeface="Open Sans"/>
-              <a:buNone/>
-            </a:pPr>
-            <a:r>
-              <a:rPr lang="en-US"/>
-              <a:t>OUR BIG IDEA</a:t>
-            </a:r>
-            <a:endParaRPr/>
-          </a:p>
-        </p:txBody>
-      </p:sp>
-    </p:spTree>
-  </p:cSld>
-  <p:clrMapOvr>
-    <a:masterClrMapping/>
-  </p:clrMapOvr>
-</p:sld>
-</file>
-
-<file path=ppt/slides/slide6.xml><?xml version="1.0" encoding="utf-8"?>
-<p:sld xmlns:a="http://schemas.openxmlformats.org/drawingml/2006/main" xmlns:r="http://schemas.openxmlformats.org/officeDocument/2006/relationships" xmlns:mc="http://schemas.openxmlformats.org/markup-compatibility/2006" xmlns:mv="urn:schemas-microsoft-com:mac:vml" xmlns:p="http://schemas.openxmlformats.org/presentationml/2006/main" xmlns:c="http://schemas.openxmlformats.org/drawingml/2006/chart" xmlns:dgm="http://schemas.openxmlformats.org/drawingml/2006/diagram" xmlns:o="urn:schemas-microsoft-com:office:office" xmlns:v="urn:schemas-microsoft-com:vml" xmlns:pvml="urn:schemas-microsoft-com:office:powerpoint" xmlns:com="http://schemas.openxmlformats.org/drawingml/2006/compatibility" xmlns:p14="http://schemas.microsoft.com/office/powerpoint/2010/main" xmlns:p15="http://schemas.microsoft.com/office/powerpoint/2012/main">
-  <p:cSld>
-    <p:spTree>
-      <p:nvGrpSpPr>
-        <p:cNvPr id="397" name="Shape 397"/>
-        <p:cNvGrpSpPr/>
-        <p:nvPr/>
-      </p:nvGrpSpPr>
-      <p:grpSpPr>
-        <a:xfrm>
-          <a:off x="0" y="0"/>
-          <a:ext cx="0" cy="0"/>
-          <a:chOff x="0" y="0"/>
-          <a:chExt cx="0" cy="0"/>
-        </a:xfrm>
-      </p:grpSpPr>
-      <p:sp>
-        <p:nvSpPr>
-          <p:cNvPr id="398" name="Google Shape;398;p30"/>
           <p:cNvSpPr txBox="1"/>
           <p:nvPr>
             <p:ph type="title"/>
@@ -46753,7 +46498,7 @@
       </p:sp>
       <p:sp>
         <p:nvSpPr>
-          <p:cNvPr id="399" name="Google Shape;399;p30"/>
+          <p:cNvPr id="393" name="Google Shape;393;p29"/>
           <p:cNvSpPr/>
           <p:nvPr/>
         </p:nvSpPr>
@@ -46802,7 +46547,7 @@
       </p:sp>
       <p:sp>
         <p:nvSpPr>
-          <p:cNvPr id="400" name="Google Shape;400;p30"/>
+          <p:cNvPr id="394" name="Google Shape;394;p29"/>
           <p:cNvSpPr/>
           <p:nvPr/>
         </p:nvSpPr>
@@ -46851,7 +46596,7 @@
       </p:sp>
       <p:sp>
         <p:nvSpPr>
-          <p:cNvPr id="401" name="Google Shape;401;p30"/>
+          <p:cNvPr id="395" name="Google Shape;395;p29"/>
           <p:cNvSpPr/>
           <p:nvPr/>
         </p:nvSpPr>
@@ -46900,7 +46645,7 @@
       </p:sp>
       <p:sp>
         <p:nvSpPr>
-          <p:cNvPr id="402" name="Google Shape;402;p30"/>
+          <p:cNvPr id="396" name="Google Shape;396;p29"/>
           <p:cNvSpPr/>
           <p:nvPr/>
         </p:nvSpPr>
@@ -46949,7 +46694,7 @@
       </p:sp>
       <p:sp>
         <p:nvSpPr>
-          <p:cNvPr id="403" name="Google Shape;403;p30"/>
+          <p:cNvPr id="397" name="Google Shape;397;p29"/>
           <p:cNvSpPr/>
           <p:nvPr/>
         </p:nvSpPr>
@@ -46998,7 +46743,7 @@
       </p:sp>
       <p:sp>
         <p:nvSpPr>
-          <p:cNvPr id="404" name="Google Shape;404;p30"/>
+          <p:cNvPr id="398" name="Google Shape;398;p29"/>
           <p:cNvSpPr txBox="1"/>
           <p:nvPr/>
         </p:nvSpPr>
@@ -47039,7 +46784,7 @@
       </p:sp>
       <p:sp>
         <p:nvSpPr>
-          <p:cNvPr id="405" name="Google Shape;405;p30"/>
+          <p:cNvPr id="399" name="Google Shape;399;p29"/>
           <p:cNvSpPr txBox="1"/>
           <p:nvPr/>
         </p:nvSpPr>
@@ -47121,7 +46866,7 @@
       </p:sp>
       <p:sp>
         <p:nvSpPr>
-          <p:cNvPr id="406" name="Google Shape;406;p30"/>
+          <p:cNvPr id="400" name="Google Shape;400;p29"/>
           <p:cNvSpPr txBox="1"/>
           <p:nvPr/>
         </p:nvSpPr>
@@ -47163,7 +46908,7 @@
       </p:sp>
       <p:sp>
         <p:nvSpPr>
-          <p:cNvPr id="407" name="Google Shape;407;p30"/>
+          <p:cNvPr id="401" name="Google Shape;401;p29"/>
           <p:cNvSpPr txBox="1"/>
           <p:nvPr/>
         </p:nvSpPr>
@@ -47205,7 +46950,7 @@
       </p:sp>
       <p:sp>
         <p:nvSpPr>
-          <p:cNvPr id="408" name="Google Shape;408;p30"/>
+          <p:cNvPr id="402" name="Google Shape;402;p29"/>
           <p:cNvSpPr txBox="1"/>
           <p:nvPr/>
         </p:nvSpPr>
@@ -47247,7 +46992,7 @@
       </p:sp>
       <p:sp>
         <p:nvSpPr>
-          <p:cNvPr id="409" name="Google Shape;409;p30"/>
+          <p:cNvPr id="403" name="Google Shape;403;p29"/>
           <p:cNvSpPr txBox="1"/>
           <p:nvPr/>
         </p:nvSpPr>
@@ -47289,7 +47034,7 @@
       </p:sp>
       <p:sp>
         <p:nvSpPr>
-          <p:cNvPr id="410" name="Google Shape;410;p30"/>
+          <p:cNvPr id="404" name="Google Shape;404;p29"/>
           <p:cNvSpPr/>
           <p:nvPr/>
         </p:nvSpPr>
@@ -47338,7 +47083,7 @@
       </p:sp>
       <p:sp>
         <p:nvSpPr>
-          <p:cNvPr id="411" name="Google Shape;411;p30"/>
+          <p:cNvPr id="405" name="Google Shape;405;p29"/>
           <p:cNvSpPr txBox="1"/>
           <p:nvPr/>
         </p:nvSpPr>
@@ -47380,7 +47125,7 @@
       </p:sp>
       <p:sp>
         <p:nvSpPr>
-          <p:cNvPr id="412" name="Google Shape;412;p30"/>
+          <p:cNvPr id="406" name="Google Shape;406;p29"/>
           <p:cNvSpPr/>
           <p:nvPr/>
         </p:nvSpPr>
@@ -47430,7 +47175,7 @@
       </p:sp>
       <p:sp>
         <p:nvSpPr>
-          <p:cNvPr id="413" name="Google Shape;413;p30"/>
+          <p:cNvPr id="407" name="Google Shape;407;p29"/>
           <p:cNvSpPr txBox="1"/>
           <p:nvPr/>
         </p:nvSpPr>
@@ -47472,7 +47217,7 @@
       </p:sp>
       <p:cxnSp>
         <p:nvCxnSpPr>
-          <p:cNvPr id="414" name="Google Shape;414;p30"/>
+          <p:cNvPr id="408" name="Google Shape;408;p29"/>
           <p:cNvCxnSpPr/>
           <p:nvPr/>
         </p:nvCxnSpPr>
@@ -47498,7 +47243,7 @@
       </p:cxnSp>
       <p:cxnSp>
         <p:nvCxnSpPr>
-          <p:cNvPr id="415" name="Google Shape;415;p30"/>
+          <p:cNvPr id="409" name="Google Shape;409;p29"/>
           <p:cNvCxnSpPr/>
           <p:nvPr/>
         </p:nvCxnSpPr>
@@ -47524,7 +47269,7 @@
       </p:cxnSp>
       <p:cxnSp>
         <p:nvCxnSpPr>
-          <p:cNvPr id="416" name="Google Shape;416;p30"/>
+          <p:cNvPr id="410" name="Google Shape;410;p29"/>
           <p:cNvCxnSpPr/>
           <p:nvPr/>
         </p:nvCxnSpPr>
@@ -47550,7 +47295,7 @@
       </p:cxnSp>
       <p:cxnSp>
         <p:nvCxnSpPr>
-          <p:cNvPr id="417" name="Google Shape;417;p30"/>
+          <p:cNvPr id="411" name="Google Shape;411;p29"/>
           <p:cNvCxnSpPr/>
           <p:nvPr/>
         </p:nvCxnSpPr>
@@ -47576,7 +47321,7 @@
       </p:cxnSp>
       <p:cxnSp>
         <p:nvCxnSpPr>
-          <p:cNvPr id="418" name="Google Shape;418;p30"/>
+          <p:cNvPr id="412" name="Google Shape;412;p29"/>
           <p:cNvCxnSpPr/>
           <p:nvPr/>
         </p:nvCxnSpPr>
@@ -47602,7 +47347,7 @@
       </p:cxnSp>
       <p:cxnSp>
         <p:nvCxnSpPr>
-          <p:cNvPr id="419" name="Google Shape;419;p30"/>
+          <p:cNvPr id="413" name="Google Shape;413;p29"/>
           <p:cNvCxnSpPr/>
           <p:nvPr/>
         </p:nvCxnSpPr>
@@ -47628,7 +47373,7 @@
       </p:cxnSp>
       <p:sp>
         <p:nvSpPr>
-          <p:cNvPr id="420" name="Google Shape;420;p30"/>
+          <p:cNvPr id="414" name="Google Shape;414;p29"/>
           <p:cNvSpPr txBox="1"/>
           <p:nvPr/>
         </p:nvSpPr>
@@ -47670,7 +47415,7 @@
                   <a:schemeClr val="dk1"/>
                 </a:solidFill>
               </a:rPr>
-              <a:t>Лицензирование, продвижение</a:t>
+              <a:t>Лицензирование, продвижение.</a:t>
             </a:r>
             <a:endParaRPr>
               <a:solidFill>
@@ -47697,7 +47442,7 @@
       </p:sp>
       <p:sp>
         <p:nvSpPr>
-          <p:cNvPr id="421" name="Google Shape;421;p30"/>
+          <p:cNvPr id="415" name="Google Shape;415;p29"/>
           <p:cNvSpPr txBox="1"/>
           <p:nvPr/>
         </p:nvSpPr>
@@ -47755,7 +47500,7 @@
       </p:sp>
       <p:sp>
         <p:nvSpPr>
-          <p:cNvPr id="422" name="Google Shape;422;p30"/>
+          <p:cNvPr id="416" name="Google Shape;416;p29"/>
           <p:cNvSpPr txBox="1"/>
           <p:nvPr/>
         </p:nvSpPr>
@@ -47796,7 +47541,7 @@
       </p:sp>
       <p:sp>
         <p:nvSpPr>
-          <p:cNvPr id="423" name="Google Shape;423;p30"/>
+          <p:cNvPr id="417" name="Google Shape;417;p29"/>
           <p:cNvSpPr txBox="1"/>
           <p:nvPr/>
         </p:nvSpPr>
@@ -47854,7 +47599,7 @@
       </p:sp>
       <p:sp>
         <p:nvSpPr>
-          <p:cNvPr id="424" name="Google Shape;424;p30"/>
+          <p:cNvPr id="418" name="Google Shape;418;p29"/>
           <p:cNvSpPr txBox="1"/>
           <p:nvPr/>
         </p:nvSpPr>
@@ -47896,7 +47641,7 @@
       </p:sp>
       <p:sp>
         <p:nvSpPr>
-          <p:cNvPr id="425" name="Google Shape;425;p30"/>
+          <p:cNvPr id="419" name="Google Shape;419;p29"/>
           <p:cNvSpPr txBox="1"/>
           <p:nvPr/>
         </p:nvSpPr>
@@ -47950,11 +47695,27 @@
             </a:r>
             <a:endParaRPr/>
           </a:p>
+          <a:p>
+            <a:pPr indent="0" lvl="0" marL="0" rtl="0" algn="l">
+              <a:spcBef>
+                <a:spcPts val="0"/>
+              </a:spcBef>
+              <a:spcAft>
+                <a:spcPts val="0"/>
+              </a:spcAft>
+              <a:buNone/>
+            </a:pPr>
+            <a:r>
+              <a:rPr lang="en-US"/>
+              <a:t>Side Chain</a:t>
+            </a:r>
+            <a:endParaRPr/>
+          </a:p>
         </p:txBody>
       </p:sp>
       <p:sp>
         <p:nvSpPr>
-          <p:cNvPr id="426" name="Google Shape;426;p30"/>
+          <p:cNvPr id="420" name="Google Shape;420;p29"/>
           <p:cNvSpPr txBox="1"/>
           <p:nvPr/>
         </p:nvSpPr>
@@ -47984,11 +47745,6 @@
               <a:spcAft>
                 <a:spcPts val="0"/>
               </a:spcAft>
-              <a:buClr>
-                <a:schemeClr val="dk1"/>
-              </a:buClr>
-              <a:buSzPts val="1100"/>
-              <a:buFont typeface="Arial"/>
               <a:buNone/>
             </a:pPr>
             <a:r>
@@ -48013,11 +47769,6 @@
               <a:spcAft>
                 <a:spcPts val="0"/>
               </a:spcAft>
-              <a:buClr>
-                <a:schemeClr val="dk1"/>
-              </a:buClr>
-              <a:buSzPts val="1100"/>
-              <a:buFont typeface="Arial"/>
               <a:buNone/>
             </a:pPr>
             <a:r>
@@ -48053,7 +47804,7 @@
       </p:sp>
       <p:sp>
         <p:nvSpPr>
-          <p:cNvPr id="427" name="Google Shape;427;p30"/>
+          <p:cNvPr id="421" name="Google Shape;421;p29"/>
           <p:cNvSpPr txBox="1"/>
           <p:nvPr/>
         </p:nvSpPr>
@@ -48094,7 +47845,7 @@
       </p:sp>
       <p:cxnSp>
         <p:nvCxnSpPr>
-          <p:cNvPr id="428" name="Google Shape;428;p30"/>
+          <p:cNvPr id="422" name="Google Shape;422;p29"/>
           <p:cNvCxnSpPr/>
           <p:nvPr/>
         </p:nvCxnSpPr>
@@ -48120,7 +47871,7 @@
       </p:cxnSp>
       <p:cxnSp>
         <p:nvCxnSpPr>
-          <p:cNvPr id="429" name="Google Shape;429;p30"/>
+          <p:cNvPr id="423" name="Google Shape;423;p29"/>
           <p:cNvCxnSpPr/>
           <p:nvPr/>
         </p:nvCxnSpPr>
@@ -48146,7 +47897,7 @@
       </p:cxnSp>
       <p:cxnSp>
         <p:nvCxnSpPr>
-          <p:cNvPr id="430" name="Google Shape;430;p30"/>
+          <p:cNvPr id="424" name="Google Shape;424;p29"/>
           <p:cNvCxnSpPr/>
           <p:nvPr/>
         </p:nvCxnSpPr>
@@ -48172,7 +47923,7 @@
       </p:cxnSp>
       <p:cxnSp>
         <p:nvCxnSpPr>
-          <p:cNvPr id="431" name="Google Shape;431;p30"/>
+          <p:cNvPr id="425" name="Google Shape;425;p29"/>
           <p:cNvCxnSpPr/>
           <p:nvPr/>
         </p:nvCxnSpPr>
@@ -48198,7 +47949,7 @@
       </p:cxnSp>
       <p:cxnSp>
         <p:nvCxnSpPr>
-          <p:cNvPr id="432" name="Google Shape;432;p30"/>
+          <p:cNvPr id="426" name="Google Shape;426;p29"/>
           <p:cNvCxnSpPr/>
           <p:nvPr/>
         </p:nvCxnSpPr>
@@ -48224,9 +47975,9 @@
       </p:cxnSp>
       <p:cxnSp>
         <p:nvCxnSpPr>
-          <p:cNvPr id="433" name="Google Shape;433;p30"/>
+          <p:cNvPr id="427" name="Google Shape;427;p29"/>
           <p:cNvCxnSpPr>
-            <a:endCxn id="402" idx="0"/>
+            <a:endCxn id="396" idx="0"/>
           </p:cNvCxnSpPr>
           <p:nvPr/>
         </p:nvCxnSpPr>
@@ -48252,7 +48003,7 @@
       </p:cxnSp>
       <p:cxnSp>
         <p:nvCxnSpPr>
-          <p:cNvPr id="434" name="Google Shape;434;p30"/>
+          <p:cNvPr id="428" name="Google Shape;428;p29"/>
           <p:cNvCxnSpPr/>
           <p:nvPr/>
         </p:nvCxnSpPr>
@@ -48278,7 +48029,7 @@
       </p:cxnSp>
       <p:cxnSp>
         <p:nvCxnSpPr>
-          <p:cNvPr id="435" name="Google Shape;435;p30"/>
+          <p:cNvPr id="429" name="Google Shape;429;p29"/>
           <p:cNvCxnSpPr/>
           <p:nvPr/>
         </p:nvCxnSpPr>
@@ -48304,9 +48055,9 @@
       </p:cxnSp>
       <p:cxnSp>
         <p:nvCxnSpPr>
-          <p:cNvPr id="436" name="Google Shape;436;p30"/>
+          <p:cNvPr id="430" name="Google Shape;430;p29"/>
           <p:cNvCxnSpPr>
-            <a:endCxn id="403" idx="6"/>
+            <a:endCxn id="397" idx="6"/>
           </p:cNvCxnSpPr>
           <p:nvPr/>
         </p:nvCxnSpPr>
@@ -48332,10 +48083,10 @@
       </p:cxnSp>
       <p:cxnSp>
         <p:nvCxnSpPr>
-          <p:cNvPr id="437" name="Google Shape;437;p30"/>
+          <p:cNvPr id="431" name="Google Shape;431;p29"/>
           <p:cNvCxnSpPr>
-            <a:stCxn id="402" idx="4"/>
-            <a:endCxn id="403" idx="2"/>
+            <a:stCxn id="396" idx="4"/>
+            <a:endCxn id="397" idx="2"/>
           </p:cNvCxnSpPr>
           <p:nvPr/>
         </p:nvCxnSpPr>
@@ -48361,7 +48112,7 @@
       </p:cxnSp>
       <p:cxnSp>
         <p:nvCxnSpPr>
-          <p:cNvPr id="438" name="Google Shape;438;p30"/>
+          <p:cNvPr id="432" name="Google Shape;432;p29"/>
           <p:cNvCxnSpPr/>
           <p:nvPr/>
         </p:nvCxnSpPr>
@@ -48387,7 +48138,7 @@
       </p:cxnSp>
       <p:cxnSp>
         <p:nvCxnSpPr>
-          <p:cNvPr id="439" name="Google Shape;439;p30"/>
+          <p:cNvPr id="433" name="Google Shape;433;p29"/>
           <p:cNvCxnSpPr/>
           <p:nvPr/>
         </p:nvCxnSpPr>
@@ -48413,7 +48164,7 @@
       </p:cxnSp>
       <p:sp>
         <p:nvSpPr>
-          <p:cNvPr id="440" name="Google Shape;440;p30"/>
+          <p:cNvPr id="434" name="Google Shape;434;p29"/>
           <p:cNvSpPr txBox="1"/>
           <p:nvPr/>
         </p:nvSpPr>
@@ -48454,7 +48205,7 @@
       </p:sp>
       <p:sp>
         <p:nvSpPr>
-          <p:cNvPr id="441" name="Google Shape;441;p30"/>
+          <p:cNvPr id="435" name="Google Shape;435;p29"/>
           <p:cNvSpPr txBox="1"/>
           <p:nvPr/>
         </p:nvSpPr>
@@ -48495,7 +48246,7 @@
       </p:sp>
       <p:sp>
         <p:nvSpPr>
-          <p:cNvPr id="442" name="Google Shape;442;p30"/>
+          <p:cNvPr id="436" name="Google Shape;436;p29"/>
           <p:cNvSpPr txBox="1"/>
           <p:nvPr/>
         </p:nvSpPr>
@@ -48559,12 +48310,12 @@
 </p:sld>
 </file>
 
-<file path=ppt/slides/slide7.xml><?xml version="1.0" encoding="utf-8"?>
+<file path=ppt/slides/slide6.xml><?xml version="1.0" encoding="utf-8"?>
 <p:sld xmlns:a="http://schemas.openxmlformats.org/drawingml/2006/main" xmlns:r="http://schemas.openxmlformats.org/officeDocument/2006/relationships" xmlns:mc="http://schemas.openxmlformats.org/markup-compatibility/2006" xmlns:mv="urn:schemas-microsoft-com:mac:vml" xmlns:p="http://schemas.openxmlformats.org/presentationml/2006/main" xmlns:c="http://schemas.openxmlformats.org/drawingml/2006/chart" xmlns:dgm="http://schemas.openxmlformats.org/drawingml/2006/diagram" xmlns:o="urn:schemas-microsoft-com:office:office" xmlns:v="urn:schemas-microsoft-com:vml" xmlns:pvml="urn:schemas-microsoft-com:office:powerpoint" xmlns:com="http://schemas.openxmlformats.org/drawingml/2006/compatibility" xmlns:p14="http://schemas.microsoft.com/office/powerpoint/2010/main" xmlns:p15="http://schemas.microsoft.com/office/powerpoint/2012/main">
   <p:cSld>
     <p:spTree>
       <p:nvGrpSpPr>
-        <p:cNvPr id="447" name="Shape 447"/>
+        <p:cNvPr id="441" name="Shape 441"/>
         <p:cNvGrpSpPr/>
         <p:nvPr/>
       </p:nvGrpSpPr>
@@ -48578,7 +48329,241 @@
       </p:grpSpPr>
       <p:sp>
         <p:nvSpPr>
-          <p:cNvPr id="448" name="Google Shape;448;p31"/>
+          <p:cNvPr id="442" name="Google Shape;442;p30"/>
+          <p:cNvSpPr/>
+          <p:nvPr/>
+        </p:nvSpPr>
+        <p:spPr>
+          <a:xfrm>
+            <a:off x="286925" y="699822"/>
+            <a:ext cx="7935600" cy="416100"/>
+          </a:xfrm>
+          <a:prstGeom prst="rect">
+            <a:avLst/>
+          </a:prstGeom>
+          <a:noFill/>
+          <a:ln>
+            <a:noFill/>
+          </a:ln>
+        </p:spPr>
+        <p:txBody>
+          <a:bodyPr anchorCtr="0" anchor="t" bIns="45700" lIns="91425" spcFirstLastPara="1" rIns="91425" wrap="square" tIns="45700">
+            <a:noAutofit/>
+          </a:bodyPr>
+          <a:lstStyle/>
+          <a:p>
+            <a:pPr indent="0" lvl="0" marL="0" marR="0" rtl="0" algn="l">
+              <a:lnSpc>
+                <a:spcPct val="150000"/>
+              </a:lnSpc>
+              <a:spcBef>
+                <a:spcPts val="0"/>
+              </a:spcBef>
+              <a:spcAft>
+                <a:spcPts val="0"/>
+              </a:spcAft>
+              <a:buNone/>
+            </a:pPr>
+            <a:r>
+              <a:rPr lang="en-US" sz="1800">
+                <a:solidFill>
+                  <a:srgbClr val="002060"/>
+                </a:solidFill>
+                <a:latin typeface="Open Sans"/>
+                <a:ea typeface="Open Sans"/>
+                <a:cs typeface="Open Sans"/>
+                <a:sym typeface="Open Sans"/>
+              </a:rPr>
+              <a:t>Why is it valuable?</a:t>
+            </a:r>
+            <a:endParaRPr sz="1800">
+              <a:solidFill>
+                <a:srgbClr val="002060"/>
+              </a:solidFill>
+              <a:latin typeface="Open Sans"/>
+              <a:ea typeface="Open Sans"/>
+              <a:cs typeface="Open Sans"/>
+              <a:sym typeface="Open Sans"/>
+            </a:endParaRPr>
+          </a:p>
+          <a:p>
+            <a:pPr indent="0" lvl="0" marL="0" marR="0" rtl="0" algn="l">
+              <a:lnSpc>
+                <a:spcPct val="150000"/>
+              </a:lnSpc>
+              <a:spcBef>
+                <a:spcPts val="0"/>
+              </a:spcBef>
+              <a:spcAft>
+                <a:spcPts val="0"/>
+              </a:spcAft>
+              <a:buNone/>
+            </a:pPr>
+            <a:r>
+              <a:rPr lang="en-US" sz="1800">
+                <a:solidFill>
+                  <a:srgbClr val="002060"/>
+                </a:solidFill>
+                <a:latin typeface="Open Sans"/>
+                <a:ea typeface="Open Sans"/>
+                <a:cs typeface="Open Sans"/>
+                <a:sym typeface="Open Sans"/>
+              </a:rPr>
+              <a:t>Отвязываем артиста от лейбла и даем ему большую свободу для продвижения своих треков на других площадках. У него остается больше прав собственности.</a:t>
+            </a:r>
+            <a:endParaRPr sz="1800">
+              <a:solidFill>
+                <a:srgbClr val="002060"/>
+              </a:solidFill>
+              <a:latin typeface="Open Sans"/>
+              <a:ea typeface="Open Sans"/>
+              <a:cs typeface="Open Sans"/>
+              <a:sym typeface="Open Sans"/>
+            </a:endParaRPr>
+          </a:p>
+          <a:p>
+            <a:pPr indent="0" lvl="0" marL="0" marR="0" rtl="0" algn="l">
+              <a:lnSpc>
+                <a:spcPct val="150000"/>
+              </a:lnSpc>
+              <a:spcBef>
+                <a:spcPts val="0"/>
+              </a:spcBef>
+              <a:spcAft>
+                <a:spcPts val="0"/>
+              </a:spcAft>
+              <a:buNone/>
+            </a:pPr>
+            <a:r>
+              <a:rPr lang="en-US" sz="1800">
+                <a:solidFill>
+                  <a:srgbClr val="002060"/>
+                </a:solidFill>
+                <a:latin typeface="Open Sans"/>
+                <a:ea typeface="Open Sans"/>
+                <a:cs typeface="Open Sans"/>
+                <a:sym typeface="Open Sans"/>
+              </a:rPr>
+              <a:t>Для стриминговых сервисов - мы уменьшаем издержки на транзакциях (комиссии, банковские переводы), создаем екосистему между другими стриминговыми платформами (NODES) и даем возможность напрямую взаимодействовать и продвигать исполенителей.</a:t>
+            </a:r>
+            <a:endParaRPr sz="1800">
+              <a:solidFill>
+                <a:srgbClr val="002060"/>
+              </a:solidFill>
+              <a:latin typeface="Open Sans"/>
+              <a:ea typeface="Open Sans"/>
+              <a:cs typeface="Open Sans"/>
+              <a:sym typeface="Open Sans"/>
+            </a:endParaRPr>
+          </a:p>
+          <a:p>
+            <a:pPr indent="0" lvl="0" marL="0" marR="0" rtl="0" algn="l">
+              <a:lnSpc>
+                <a:spcPct val="150000"/>
+              </a:lnSpc>
+              <a:spcBef>
+                <a:spcPts val="0"/>
+              </a:spcBef>
+              <a:spcAft>
+                <a:spcPts val="0"/>
+              </a:spcAft>
+              <a:buNone/>
+            </a:pPr>
+            <a:r>
+              <a:t/>
+            </a:r>
+            <a:endParaRPr sz="1800">
+              <a:solidFill>
+                <a:srgbClr val="002060"/>
+              </a:solidFill>
+              <a:latin typeface="Open Sans"/>
+              <a:ea typeface="Open Sans"/>
+              <a:cs typeface="Open Sans"/>
+              <a:sym typeface="Open Sans"/>
+            </a:endParaRPr>
+          </a:p>
+        </p:txBody>
+      </p:sp>
+      <p:sp>
+        <p:nvSpPr>
+          <p:cNvPr id="443" name="Google Shape;443;p30"/>
+          <p:cNvSpPr txBox="1"/>
+          <p:nvPr>
+            <p:ph type="title"/>
+          </p:nvPr>
+        </p:nvSpPr>
+        <p:spPr>
+          <a:xfrm>
+            <a:off x="286925" y="98245"/>
+            <a:ext cx="8593500" cy="552600"/>
+          </a:xfrm>
+          <a:prstGeom prst="rect">
+            <a:avLst/>
+          </a:prstGeom>
+          <a:noFill/>
+          <a:ln>
+            <a:noFill/>
+          </a:ln>
+        </p:spPr>
+        <p:txBody>
+          <a:bodyPr anchorCtr="0" anchor="ctr" bIns="34275" lIns="68575" spcFirstLastPara="1" rIns="68575" wrap="square" tIns="34275">
+            <a:noAutofit/>
+          </a:bodyPr>
+          <a:lstStyle/>
+          <a:p>
+            <a:pPr indent="0" lvl="0" marL="0" rtl="0" algn="l">
+              <a:lnSpc>
+                <a:spcPct val="100000"/>
+              </a:lnSpc>
+              <a:spcBef>
+                <a:spcPts val="0"/>
+              </a:spcBef>
+              <a:spcAft>
+                <a:spcPts val="0"/>
+              </a:spcAft>
+              <a:buClr>
+                <a:srgbClr val="EB571C"/>
+              </a:buClr>
+              <a:buSzPts val="2300"/>
+              <a:buFont typeface="Open Sans"/>
+              <a:buNone/>
+            </a:pPr>
+            <a:r>
+              <a:rPr lang="en-US"/>
+              <a:t>OUR BIG IDEA</a:t>
+            </a:r>
+            <a:endParaRPr/>
+          </a:p>
+        </p:txBody>
+      </p:sp>
+    </p:spTree>
+  </p:cSld>
+  <p:clrMapOvr>
+    <a:masterClrMapping/>
+  </p:clrMapOvr>
+</p:sld>
+</file>
+
+<file path=ppt/slides/slide7.xml><?xml version="1.0" encoding="utf-8"?>
+<p:sld xmlns:a="http://schemas.openxmlformats.org/drawingml/2006/main" xmlns:r="http://schemas.openxmlformats.org/officeDocument/2006/relationships" xmlns:mc="http://schemas.openxmlformats.org/markup-compatibility/2006" xmlns:mv="urn:schemas-microsoft-com:mac:vml" xmlns:p="http://schemas.openxmlformats.org/presentationml/2006/main" xmlns:c="http://schemas.openxmlformats.org/drawingml/2006/chart" xmlns:dgm="http://schemas.openxmlformats.org/drawingml/2006/diagram" xmlns:o="urn:schemas-microsoft-com:office:office" xmlns:v="urn:schemas-microsoft-com:vml" xmlns:pvml="urn:schemas-microsoft-com:office:powerpoint" xmlns:com="http://schemas.openxmlformats.org/drawingml/2006/compatibility" xmlns:p14="http://schemas.microsoft.com/office/powerpoint/2010/main" xmlns:p15="http://schemas.microsoft.com/office/powerpoint/2012/main">
+  <p:cSld>
+    <p:spTree>
+      <p:nvGrpSpPr>
+        <p:cNvPr id="448" name="Shape 448"/>
+        <p:cNvGrpSpPr/>
+        <p:nvPr/>
+      </p:nvGrpSpPr>
+      <p:grpSpPr>
+        <a:xfrm>
+          <a:off x="0" y="0"/>
+          <a:ext cx="0" cy="0"/>
+          <a:chOff x="0" y="0"/>
+          <a:chExt cx="0" cy="0"/>
+        </a:xfrm>
+      </p:grpSpPr>
+      <p:sp>
+        <p:nvSpPr>
+          <p:cNvPr id="449" name="Google Shape;449;p31"/>
           <p:cNvSpPr txBox="1"/>
           <p:nvPr>
             <p:ph type="title"/>
@@ -48630,7 +48615,7 @@
       </p:sp>
       <p:sp>
         <p:nvSpPr>
-          <p:cNvPr id="449" name="Google Shape;449;p31"/>
+          <p:cNvPr id="450" name="Google Shape;450;p31"/>
           <p:cNvSpPr/>
           <p:nvPr/>
         </p:nvSpPr>
@@ -48737,7 +48722,7 @@
   <p:cSld>
     <p:spTree>
       <p:nvGrpSpPr>
-        <p:cNvPr id="454" name="Shape 454"/>
+        <p:cNvPr id="455" name="Shape 455"/>
         <p:cNvGrpSpPr/>
         <p:nvPr/>
       </p:nvGrpSpPr>
@@ -48751,7 +48736,7 @@
       </p:grpSpPr>
       <p:sp>
         <p:nvSpPr>
-          <p:cNvPr id="455" name="Google Shape;455;p32"/>
+          <p:cNvPr id="456" name="Google Shape;456;p32"/>
           <p:cNvSpPr/>
           <p:nvPr/>
         </p:nvSpPr>
@@ -48801,7 +48786,7 @@
                 <a:cs typeface="Open Sans"/>
                 <a:sym typeface="Open Sans"/>
               </a:rPr>
-              <a:t>Обслуживание нод сервисов для </a:t>
+              <a:t>Обслуживание нод для </a:t>
             </a:r>
             <a:r>
               <a:rPr lang="en-US" sz="1800">
@@ -48813,7 +48798,7 @@
                 <a:cs typeface="Open Sans"/>
                 <a:sym typeface="Open Sans"/>
               </a:rPr>
-              <a:t>Staking и комиссия 1% от сгенерированного общего дохода (Транзакции, комиссия за переводы). </a:t>
+              <a:t>Staking и комиссия 2% от сгенерированного общего дохода (Транзакции, комиссия за переводы в системе). </a:t>
             </a:r>
             <a:endParaRPr sz="1800">
               <a:solidFill>
@@ -48861,7 +48846,7 @@
       </p:sp>
       <p:sp>
         <p:nvSpPr>
-          <p:cNvPr id="456" name="Google Shape;456;p32"/>
+          <p:cNvPr id="457" name="Google Shape;457;p32"/>
           <p:cNvSpPr txBox="1"/>
           <p:nvPr>
             <p:ph type="title"/>
@@ -48913,7 +48898,7 @@
       </p:sp>
       <p:pic>
         <p:nvPicPr>
-          <p:cNvPr id="457" name="Google Shape;457;p32"/>
+          <p:cNvPr id="458" name="Google Shape;458;p32"/>
           <p:cNvPicPr preferRelativeResize="0"/>
           <p:nvPr/>
         </p:nvPicPr>
@@ -48952,7 +48937,7 @@
   <p:cSld>
     <p:spTree>
       <p:nvGrpSpPr>
-        <p:cNvPr id="462" name="Shape 462"/>
+        <p:cNvPr id="463" name="Shape 463"/>
         <p:cNvGrpSpPr/>
         <p:nvPr/>
       </p:nvGrpSpPr>
@@ -48966,14 +48951,14 @@
       </p:grpSpPr>
       <p:sp>
         <p:nvSpPr>
-          <p:cNvPr id="463" name="Google Shape;463;p33"/>
+          <p:cNvPr id="464" name="Google Shape;464;p33"/>
           <p:cNvSpPr/>
           <p:nvPr/>
         </p:nvSpPr>
         <p:spPr>
           <a:xfrm>
             <a:off x="286925" y="599575"/>
-            <a:ext cx="7935600" cy="722100"/>
+            <a:ext cx="7935600" cy="377100"/>
           </a:xfrm>
           <a:prstGeom prst="rect">
             <a:avLst/>
@@ -48989,7 +48974,7 @@
           </a:bodyPr>
           <a:lstStyle/>
           <a:p>
-            <a:pPr indent="-285750" lvl="0" marL="285750" marR="0" rtl="0" algn="l">
+            <a:pPr indent="0" lvl="0" marL="0" marR="0" rtl="0" algn="l">
               <a:lnSpc>
                 <a:spcPct val="150000"/>
               </a:lnSpc>
@@ -48999,36 +48984,11 @@
               <a:spcAft>
                 <a:spcPts val="0"/>
               </a:spcAft>
-              <a:buClr>
-                <a:schemeClr val="accent2"/>
-              </a:buClr>
-              <a:buSzPts val="1800"/>
-              <a:buFont typeface="Noto Sans Symbols"/>
-              <a:buChar char="•"/>
+              <a:buNone/>
             </a:pPr>
             <a:r>
-              <a:rPr lang="en-US" sz="1800">
-                <a:solidFill>
-                  <a:srgbClr val="002060"/>
-                </a:solidFill>
-                <a:latin typeface="Open Sans"/>
-                <a:ea typeface="Open Sans"/>
-                <a:cs typeface="Open Sans"/>
-                <a:sym typeface="Open Sans"/>
-              </a:rPr>
-              <a:t>Our solution will provide better security and transparency than other services like </a:t>
-            </a:r>
-            <a:r>
-              <a:rPr lang="en-US" sz="1800">
-                <a:solidFill>
-                  <a:srgbClr val="002060"/>
-                </a:solidFill>
-                <a:latin typeface="Open Sans"/>
-                <a:ea typeface="Open Sans"/>
-                <a:cs typeface="Open Sans"/>
-                <a:sym typeface="Open Sans"/>
-              </a:rPr>
-              <a:t>Stem.is, </a:t>
+              <a:rPr lang="en-US"/>
+              <a:t>У конкурентов нет реализации такой технологии на блокчейне и с применением смарт контрактов.</a:t>
             </a:r>
             <a:endParaRPr/>
           </a:p>
@@ -49036,7 +48996,7 @@
       </p:sp>
       <p:sp>
         <p:nvSpPr>
-          <p:cNvPr id="464" name="Google Shape;464;p33"/>
+          <p:cNvPr id="465" name="Google Shape;465;p33"/>
           <p:cNvSpPr txBox="1"/>
           <p:nvPr>
             <p:ph type="title"/>
@@ -49088,7 +49048,7 @@
       </p:sp>
       <p:pic>
         <p:nvPicPr>
-          <p:cNvPr id="465" name="Google Shape;465;p33"/>
+          <p:cNvPr id="466" name="Google Shape;466;p33"/>
           <p:cNvPicPr preferRelativeResize="0"/>
           <p:nvPr/>
         </p:nvPicPr>
@@ -49102,7 +49062,7 @@
         </p:blipFill>
         <p:spPr>
           <a:xfrm>
-            <a:off x="132350" y="1371600"/>
+            <a:off x="122325" y="1197275"/>
             <a:ext cx="3166300" cy="3696074"/>
           </a:xfrm>
           <a:prstGeom prst="rect">
